--- a/PC/Computer_Vision_Object_Detection.pptx
+++ b/PC/Computer_Vision_Object_Detection.pptx
@@ -5,15 +5,15 @@
     <p:sldMasterId id="2147483648" r:id="rId1"/>
   </p:sldMasterIdLst>
   <p:sldIdLst>
-    <p:sldId id="256" r:id="rId7"/>
-    <p:sldId id="257" r:id="rId8"/>
-    <p:sldId id="258" r:id="rId9"/>
-    <p:sldId id="259" r:id="rId10"/>
-    <p:sldId id="260" r:id="rId11"/>
-    <p:sldId id="261" r:id="rId12"/>
-    <p:sldId id="262" r:id="rId13"/>
-    <p:sldId id="263" r:id="rId14"/>
-    <p:sldId id="264" r:id="rId15"/>
+    <p:sldId id="256" r:id="rId2"/>
+    <p:sldId id="257" r:id="rId3"/>
+    <p:sldId id="258" r:id="rId4"/>
+    <p:sldId id="259" r:id="rId5"/>
+    <p:sldId id="260" r:id="rId6"/>
+    <p:sldId id="261" r:id="rId7"/>
+    <p:sldId id="262" r:id="rId8"/>
+    <p:sldId id="263" r:id="rId9"/>
+    <p:sldId id="264" r:id="rId10"/>
   </p:sldIdLst>
   <p:sldSz cx="9144000" cy="6858000" type="screen4x3"/>
   <p:notesSz cx="6858000" cy="9144000"/>
@@ -112,6 +112,22 @@
       </a:defRPr>
     </a:lvl9pPr>
   </p:defaultTextStyle>
+  <p:extLst>
+    <p:ext uri="{EFAFB233-063F-42B5-8137-9DF3F51BA10A}">
+      <p15:sldGuideLst xmlns:p15="http://schemas.microsoft.com/office/powerpoint/2012/main">
+        <p15:guide id="1" orient="horz" pos="2160">
+          <p15:clr>
+            <a:srgbClr val="A4A3A4"/>
+          </p15:clr>
+        </p15:guide>
+        <p15:guide id="2" pos="2880">
+          <p15:clr>
+            <a:srgbClr val="A4A3A4"/>
+          </p15:clr>
+        </p15:guide>
+      </p15:sldGuideLst>
+    </p:ext>
+  </p:extLst>
 </p:presentation>
 </file>
 
@@ -153,10 +169,9 @@
           <a:lstStyle/>
           <a:p>
             <a:r>
-              <a:rPr lang="en-US" smtClean="0"/>
+              <a:rPr lang="en-US"/>
               <a:t>Click to edit Master title style</a:t>
             </a:r>
-            <a:endParaRPr lang="en-US"/>
           </a:p>
         </p:txBody>
       </p:sp>
@@ -272,10 +287,9 @@
           </a:lstStyle>
           <a:p>
             <a:r>
-              <a:rPr lang="en-US" smtClean="0"/>
+              <a:rPr lang="en-US"/>
               <a:t>Click to edit Master subtitle style</a:t>
             </a:r>
-            <a:endParaRPr lang="en-US"/>
           </a:p>
         </p:txBody>
       </p:sp>
@@ -296,7 +310,7 @@
           <a:p>
             <a:fld id="{5BCAD085-E8A6-8845-BD4E-CB4CCA059FC4}" type="datetimeFigureOut">
               <a:rPr lang="en-US" smtClean="0"/>
-              <a:t>1/27/13</a:t>
+              <a:t>9/6/2025</a:t>
             </a:fld>
             <a:endParaRPr lang="en-US"/>
           </a:p>
@@ -390,10 +404,9 @@
           <a:lstStyle/>
           <a:p>
             <a:r>
-              <a:rPr lang="en-US" smtClean="0"/>
+              <a:rPr lang="en-US"/>
               <a:t>Click to edit Master title style</a:t>
             </a:r>
-            <a:endParaRPr lang="en-US"/>
           </a:p>
         </p:txBody>
       </p:sp>
@@ -414,38 +427,37 @@
           <a:p>
             <a:pPr lvl="0"/>
             <a:r>
-              <a:rPr lang="en-US" smtClean="0"/>
+              <a:rPr lang="en-US"/>
               <a:t>Click to edit Master text styles</a:t>
             </a:r>
           </a:p>
           <a:p>
             <a:pPr lvl="1"/>
             <a:r>
-              <a:rPr lang="en-US" smtClean="0"/>
+              <a:rPr lang="en-US"/>
               <a:t>Second level</a:t>
             </a:r>
           </a:p>
           <a:p>
             <a:pPr lvl="2"/>
             <a:r>
-              <a:rPr lang="en-US" smtClean="0"/>
+              <a:rPr lang="en-US"/>
               <a:t>Third level</a:t>
             </a:r>
           </a:p>
           <a:p>
             <a:pPr lvl="3"/>
             <a:r>
-              <a:rPr lang="en-US" smtClean="0"/>
+              <a:rPr lang="en-US"/>
               <a:t>Fourth level</a:t>
             </a:r>
           </a:p>
           <a:p>
             <a:pPr lvl="4"/>
             <a:r>
-              <a:rPr lang="en-US" smtClean="0"/>
+              <a:rPr lang="en-US"/>
               <a:t>Fifth level</a:t>
             </a:r>
-            <a:endParaRPr lang="en-US"/>
           </a:p>
         </p:txBody>
       </p:sp>
@@ -466,7 +478,7 @@
           <a:p>
             <a:fld id="{5BCAD085-E8A6-8845-BD4E-CB4CCA059FC4}" type="datetimeFigureOut">
               <a:rPr lang="en-US" smtClean="0"/>
-              <a:t>1/27/13</a:t>
+              <a:t>9/6/2025</a:t>
             </a:fld>
             <a:endParaRPr lang="en-US"/>
           </a:p>
@@ -565,10 +577,9 @@
           <a:lstStyle/>
           <a:p>
             <a:r>
-              <a:rPr lang="en-US" smtClean="0"/>
+              <a:rPr lang="en-US"/>
               <a:t>Click to edit Master title style</a:t>
             </a:r>
-            <a:endParaRPr lang="en-US"/>
           </a:p>
         </p:txBody>
       </p:sp>
@@ -594,38 +605,37 @@
           <a:p>
             <a:pPr lvl="0"/>
             <a:r>
-              <a:rPr lang="en-US" smtClean="0"/>
+              <a:rPr lang="en-US"/>
               <a:t>Click to edit Master text styles</a:t>
             </a:r>
           </a:p>
           <a:p>
             <a:pPr lvl="1"/>
             <a:r>
-              <a:rPr lang="en-US" smtClean="0"/>
+              <a:rPr lang="en-US"/>
               <a:t>Second level</a:t>
             </a:r>
           </a:p>
           <a:p>
             <a:pPr lvl="2"/>
             <a:r>
-              <a:rPr lang="en-US" smtClean="0"/>
+              <a:rPr lang="en-US"/>
               <a:t>Third level</a:t>
             </a:r>
           </a:p>
           <a:p>
             <a:pPr lvl="3"/>
             <a:r>
-              <a:rPr lang="en-US" smtClean="0"/>
+              <a:rPr lang="en-US"/>
               <a:t>Fourth level</a:t>
             </a:r>
           </a:p>
           <a:p>
             <a:pPr lvl="4"/>
             <a:r>
-              <a:rPr lang="en-US" smtClean="0"/>
+              <a:rPr lang="en-US"/>
               <a:t>Fifth level</a:t>
             </a:r>
-            <a:endParaRPr lang="en-US"/>
           </a:p>
         </p:txBody>
       </p:sp>
@@ -646,7 +656,7 @@
           <a:p>
             <a:fld id="{5BCAD085-E8A6-8845-BD4E-CB4CCA059FC4}" type="datetimeFigureOut">
               <a:rPr lang="en-US" smtClean="0"/>
-              <a:t>1/27/13</a:t>
+              <a:t>9/6/2025</a:t>
             </a:fld>
             <a:endParaRPr lang="en-US"/>
           </a:p>
@@ -740,10 +750,9 @@
           <a:lstStyle/>
           <a:p>
             <a:r>
-              <a:rPr lang="en-US" smtClean="0"/>
+              <a:rPr lang="en-US"/>
               <a:t>Click to edit Master title style</a:t>
             </a:r>
-            <a:endParaRPr lang="en-US"/>
           </a:p>
         </p:txBody>
       </p:sp>
@@ -764,38 +773,37 @@
           <a:p>
             <a:pPr lvl="0"/>
             <a:r>
-              <a:rPr lang="en-US" smtClean="0"/>
+              <a:rPr lang="en-US"/>
               <a:t>Click to edit Master text styles</a:t>
             </a:r>
           </a:p>
           <a:p>
             <a:pPr lvl="1"/>
             <a:r>
-              <a:rPr lang="en-US" smtClean="0"/>
+              <a:rPr lang="en-US"/>
               <a:t>Second level</a:t>
             </a:r>
           </a:p>
           <a:p>
             <a:pPr lvl="2"/>
             <a:r>
-              <a:rPr lang="en-US" smtClean="0"/>
+              <a:rPr lang="en-US"/>
               <a:t>Third level</a:t>
             </a:r>
           </a:p>
           <a:p>
             <a:pPr lvl="3"/>
             <a:r>
-              <a:rPr lang="en-US" smtClean="0"/>
+              <a:rPr lang="en-US"/>
               <a:t>Fourth level</a:t>
             </a:r>
           </a:p>
           <a:p>
             <a:pPr lvl="4"/>
             <a:r>
-              <a:rPr lang="en-US" smtClean="0"/>
+              <a:rPr lang="en-US"/>
               <a:t>Fifth level</a:t>
             </a:r>
-            <a:endParaRPr lang="en-US"/>
           </a:p>
         </p:txBody>
       </p:sp>
@@ -816,7 +824,7 @@
           <a:p>
             <a:fld id="{5BCAD085-E8A6-8845-BD4E-CB4CCA059FC4}" type="datetimeFigureOut">
               <a:rPr lang="en-US" smtClean="0"/>
-              <a:t>1/27/13</a:t>
+              <a:t>9/6/2025</a:t>
             </a:fld>
             <a:endParaRPr lang="en-US"/>
           </a:p>
@@ -919,10 +927,9 @@
           </a:lstStyle>
           <a:p>
             <a:r>
-              <a:rPr lang="en-US" smtClean="0"/>
+              <a:rPr lang="en-US"/>
               <a:t>Click to edit Master title style</a:t>
             </a:r>
-            <a:endParaRPr lang="en-US"/>
           </a:p>
         </p:txBody>
       </p:sp>
@@ -1039,7 +1046,7 @@
           <a:p>
             <a:pPr lvl="0"/>
             <a:r>
-              <a:rPr lang="en-US" smtClean="0"/>
+              <a:rPr lang="en-US"/>
               <a:t>Click to edit Master text styles</a:t>
             </a:r>
           </a:p>
@@ -1062,7 +1069,7 @@
           <a:p>
             <a:fld id="{5BCAD085-E8A6-8845-BD4E-CB4CCA059FC4}" type="datetimeFigureOut">
               <a:rPr lang="en-US" smtClean="0"/>
-              <a:t>1/27/13</a:t>
+              <a:t>9/6/2025</a:t>
             </a:fld>
             <a:endParaRPr lang="en-US"/>
           </a:p>
@@ -1156,10 +1163,9 @@
           <a:lstStyle/>
           <a:p>
             <a:r>
-              <a:rPr lang="en-US" smtClean="0"/>
+              <a:rPr lang="en-US"/>
               <a:t>Click to edit Master title style</a:t>
             </a:r>
-            <a:endParaRPr lang="en-US"/>
           </a:p>
         </p:txBody>
       </p:sp>
@@ -1213,38 +1219,37 @@
           <a:p>
             <a:pPr lvl="0"/>
             <a:r>
-              <a:rPr lang="en-US" smtClean="0"/>
+              <a:rPr lang="en-US"/>
               <a:t>Click to edit Master text styles</a:t>
             </a:r>
           </a:p>
           <a:p>
             <a:pPr lvl="1"/>
             <a:r>
-              <a:rPr lang="en-US" smtClean="0"/>
+              <a:rPr lang="en-US"/>
               <a:t>Second level</a:t>
             </a:r>
           </a:p>
           <a:p>
             <a:pPr lvl="2"/>
             <a:r>
-              <a:rPr lang="en-US" smtClean="0"/>
+              <a:rPr lang="en-US"/>
               <a:t>Third level</a:t>
             </a:r>
           </a:p>
           <a:p>
             <a:pPr lvl="3"/>
             <a:r>
-              <a:rPr lang="en-US" smtClean="0"/>
+              <a:rPr lang="en-US"/>
               <a:t>Fourth level</a:t>
             </a:r>
           </a:p>
           <a:p>
             <a:pPr lvl="4"/>
             <a:r>
-              <a:rPr lang="en-US" smtClean="0"/>
+              <a:rPr lang="en-US"/>
               <a:t>Fifth level</a:t>
             </a:r>
-            <a:endParaRPr lang="en-US"/>
           </a:p>
         </p:txBody>
       </p:sp>
@@ -1298,38 +1303,37 @@
           <a:p>
             <a:pPr lvl="0"/>
             <a:r>
-              <a:rPr lang="en-US" smtClean="0"/>
+              <a:rPr lang="en-US"/>
               <a:t>Click to edit Master text styles</a:t>
             </a:r>
           </a:p>
           <a:p>
             <a:pPr lvl="1"/>
             <a:r>
-              <a:rPr lang="en-US" smtClean="0"/>
+              <a:rPr lang="en-US"/>
               <a:t>Second level</a:t>
             </a:r>
           </a:p>
           <a:p>
             <a:pPr lvl="2"/>
             <a:r>
-              <a:rPr lang="en-US" smtClean="0"/>
+              <a:rPr lang="en-US"/>
               <a:t>Third level</a:t>
             </a:r>
           </a:p>
           <a:p>
             <a:pPr lvl="3"/>
             <a:r>
-              <a:rPr lang="en-US" smtClean="0"/>
+              <a:rPr lang="en-US"/>
               <a:t>Fourth level</a:t>
             </a:r>
           </a:p>
           <a:p>
             <a:pPr lvl="4"/>
             <a:r>
-              <a:rPr lang="en-US" smtClean="0"/>
+              <a:rPr lang="en-US"/>
               <a:t>Fifth level</a:t>
             </a:r>
-            <a:endParaRPr lang="en-US"/>
           </a:p>
         </p:txBody>
       </p:sp>
@@ -1350,7 +1354,7 @@
           <a:p>
             <a:fld id="{5BCAD085-E8A6-8845-BD4E-CB4CCA059FC4}" type="datetimeFigureOut">
               <a:rPr lang="en-US" smtClean="0"/>
-              <a:t>1/27/13</a:t>
+              <a:t>9/6/2025</a:t>
             </a:fld>
             <a:endParaRPr lang="en-US"/>
           </a:p>
@@ -1448,10 +1452,9 @@
           </a:lstStyle>
           <a:p>
             <a:r>
-              <a:rPr lang="en-US" smtClean="0"/>
+              <a:rPr lang="en-US"/>
               <a:t>Click to edit Master title style</a:t>
             </a:r>
-            <a:endParaRPr lang="en-US"/>
           </a:p>
         </p:txBody>
       </p:sp>
@@ -1514,7 +1517,7 @@
           <a:p>
             <a:pPr lvl="0"/>
             <a:r>
-              <a:rPr lang="en-US" smtClean="0"/>
+              <a:rPr lang="en-US"/>
               <a:t>Click to edit Master text styles</a:t>
             </a:r>
           </a:p>
@@ -1570,38 +1573,37 @@
           <a:p>
             <a:pPr lvl="0"/>
             <a:r>
-              <a:rPr lang="en-US" smtClean="0"/>
+              <a:rPr lang="en-US"/>
               <a:t>Click to edit Master text styles</a:t>
             </a:r>
           </a:p>
           <a:p>
             <a:pPr lvl="1"/>
             <a:r>
-              <a:rPr lang="en-US" smtClean="0"/>
+              <a:rPr lang="en-US"/>
               <a:t>Second level</a:t>
             </a:r>
           </a:p>
           <a:p>
             <a:pPr lvl="2"/>
             <a:r>
-              <a:rPr lang="en-US" smtClean="0"/>
+              <a:rPr lang="en-US"/>
               <a:t>Third level</a:t>
             </a:r>
           </a:p>
           <a:p>
             <a:pPr lvl="3"/>
             <a:r>
-              <a:rPr lang="en-US" smtClean="0"/>
+              <a:rPr lang="en-US"/>
               <a:t>Fourth level</a:t>
             </a:r>
           </a:p>
           <a:p>
             <a:pPr lvl="4"/>
             <a:r>
-              <a:rPr lang="en-US" smtClean="0"/>
+              <a:rPr lang="en-US"/>
               <a:t>Fifth level</a:t>
             </a:r>
-            <a:endParaRPr lang="en-US"/>
           </a:p>
         </p:txBody>
       </p:sp>
@@ -1664,7 +1666,7 @@
           <a:p>
             <a:pPr lvl="0"/>
             <a:r>
-              <a:rPr lang="en-US" smtClean="0"/>
+              <a:rPr lang="en-US"/>
               <a:t>Click to edit Master text styles</a:t>
             </a:r>
           </a:p>
@@ -1720,38 +1722,37 @@
           <a:p>
             <a:pPr lvl="0"/>
             <a:r>
-              <a:rPr lang="en-US" smtClean="0"/>
+              <a:rPr lang="en-US"/>
               <a:t>Click to edit Master text styles</a:t>
             </a:r>
           </a:p>
           <a:p>
             <a:pPr lvl="1"/>
             <a:r>
-              <a:rPr lang="en-US" smtClean="0"/>
+              <a:rPr lang="en-US"/>
               <a:t>Second level</a:t>
             </a:r>
           </a:p>
           <a:p>
             <a:pPr lvl="2"/>
             <a:r>
-              <a:rPr lang="en-US" smtClean="0"/>
+              <a:rPr lang="en-US"/>
               <a:t>Third level</a:t>
             </a:r>
           </a:p>
           <a:p>
             <a:pPr lvl="3"/>
             <a:r>
-              <a:rPr lang="en-US" smtClean="0"/>
+              <a:rPr lang="en-US"/>
               <a:t>Fourth level</a:t>
             </a:r>
           </a:p>
           <a:p>
             <a:pPr lvl="4"/>
             <a:r>
-              <a:rPr lang="en-US" smtClean="0"/>
+              <a:rPr lang="en-US"/>
               <a:t>Fifth level</a:t>
             </a:r>
-            <a:endParaRPr lang="en-US"/>
           </a:p>
         </p:txBody>
       </p:sp>
@@ -1772,7 +1773,7 @@
           <a:p>
             <a:fld id="{5BCAD085-E8A6-8845-BD4E-CB4CCA059FC4}" type="datetimeFigureOut">
               <a:rPr lang="en-US" smtClean="0"/>
-              <a:t>1/27/13</a:t>
+              <a:t>9/6/2025</a:t>
             </a:fld>
             <a:endParaRPr lang="en-US"/>
           </a:p>
@@ -1866,10 +1867,9 @@
           <a:lstStyle/>
           <a:p>
             <a:r>
-              <a:rPr lang="en-US" smtClean="0"/>
+              <a:rPr lang="en-US"/>
               <a:t>Click to edit Master title style</a:t>
             </a:r>
-            <a:endParaRPr lang="en-US"/>
           </a:p>
         </p:txBody>
       </p:sp>
@@ -1890,7 +1890,7 @@
           <a:p>
             <a:fld id="{5BCAD085-E8A6-8845-BD4E-CB4CCA059FC4}" type="datetimeFigureOut">
               <a:rPr lang="en-US" smtClean="0"/>
-              <a:t>1/27/13</a:t>
+              <a:t>9/6/2025</a:t>
             </a:fld>
             <a:endParaRPr lang="en-US"/>
           </a:p>
@@ -1985,7 +1985,7 @@
           <a:p>
             <a:fld id="{5BCAD085-E8A6-8845-BD4E-CB4CCA059FC4}" type="datetimeFigureOut">
               <a:rPr lang="en-US" smtClean="0"/>
-              <a:t>1/27/13</a:t>
+              <a:t>9/6/2025</a:t>
             </a:fld>
             <a:endParaRPr lang="en-US"/>
           </a:p>
@@ -2088,10 +2088,9 @@
           </a:lstStyle>
           <a:p>
             <a:r>
-              <a:rPr lang="en-US" smtClean="0"/>
+              <a:rPr lang="en-US"/>
               <a:t>Click to edit Master title style</a:t>
             </a:r>
-            <a:endParaRPr lang="en-US"/>
           </a:p>
         </p:txBody>
       </p:sp>
@@ -2145,38 +2144,37 @@
           <a:p>
             <a:pPr lvl="0"/>
             <a:r>
-              <a:rPr lang="en-US" smtClean="0"/>
+              <a:rPr lang="en-US"/>
               <a:t>Click to edit Master text styles</a:t>
             </a:r>
           </a:p>
           <a:p>
             <a:pPr lvl="1"/>
             <a:r>
-              <a:rPr lang="en-US" smtClean="0"/>
+              <a:rPr lang="en-US"/>
               <a:t>Second level</a:t>
             </a:r>
           </a:p>
           <a:p>
             <a:pPr lvl="2"/>
             <a:r>
-              <a:rPr lang="en-US" smtClean="0"/>
+              <a:rPr lang="en-US"/>
               <a:t>Third level</a:t>
             </a:r>
           </a:p>
           <a:p>
             <a:pPr lvl="3"/>
             <a:r>
-              <a:rPr lang="en-US" smtClean="0"/>
+              <a:rPr lang="en-US"/>
               <a:t>Fourth level</a:t>
             </a:r>
           </a:p>
           <a:p>
             <a:pPr lvl="4"/>
             <a:r>
-              <a:rPr lang="en-US" smtClean="0"/>
+              <a:rPr lang="en-US"/>
               <a:t>Fifth level</a:t>
             </a:r>
-            <a:endParaRPr lang="en-US"/>
           </a:p>
         </p:txBody>
       </p:sp>
@@ -2239,7 +2237,7 @@
           <a:p>
             <a:pPr lvl="0"/>
             <a:r>
-              <a:rPr lang="en-US" smtClean="0"/>
+              <a:rPr lang="en-US"/>
               <a:t>Click to edit Master text styles</a:t>
             </a:r>
           </a:p>
@@ -2262,7 +2260,7 @@
           <a:p>
             <a:fld id="{5BCAD085-E8A6-8845-BD4E-CB4CCA059FC4}" type="datetimeFigureOut">
               <a:rPr lang="en-US" smtClean="0"/>
-              <a:t>1/27/13</a:t>
+              <a:t>9/6/2025</a:t>
             </a:fld>
             <a:endParaRPr lang="en-US"/>
           </a:p>
@@ -2365,10 +2363,9 @@
           </a:lstStyle>
           <a:p>
             <a:r>
-              <a:rPr lang="en-US" smtClean="0"/>
+              <a:rPr lang="en-US"/>
               <a:t>Click to edit Master title style</a:t>
             </a:r>
-            <a:endParaRPr lang="en-US"/>
           </a:p>
         </p:txBody>
       </p:sp>
@@ -2492,7 +2489,7 @@
           <a:p>
             <a:pPr lvl="0"/>
             <a:r>
-              <a:rPr lang="en-US" smtClean="0"/>
+              <a:rPr lang="en-US"/>
               <a:t>Click to edit Master text styles</a:t>
             </a:r>
           </a:p>
@@ -2515,7 +2512,7 @@
           <a:p>
             <a:fld id="{5BCAD085-E8A6-8845-BD4E-CB4CCA059FC4}" type="datetimeFigureOut">
               <a:rPr lang="en-US" smtClean="0"/>
-              <a:t>1/27/13</a:t>
+              <a:t>9/6/2025</a:t>
             </a:fld>
             <a:endParaRPr lang="en-US"/>
           </a:p>
@@ -2624,10 +2621,9 @@
           <a:lstStyle/>
           <a:p>
             <a:r>
-              <a:rPr lang="en-US" smtClean="0"/>
+              <a:rPr lang="en-US"/>
               <a:t>Click to edit Master title style</a:t>
             </a:r>
-            <a:endParaRPr lang="en-US"/>
           </a:p>
         </p:txBody>
       </p:sp>
@@ -2658,38 +2654,37 @@
           <a:p>
             <a:pPr lvl="0"/>
             <a:r>
-              <a:rPr lang="en-US" smtClean="0"/>
+              <a:rPr lang="en-US"/>
               <a:t>Click to edit Master text styles</a:t>
             </a:r>
           </a:p>
           <a:p>
             <a:pPr lvl="1"/>
             <a:r>
-              <a:rPr lang="en-US" smtClean="0"/>
+              <a:rPr lang="en-US"/>
               <a:t>Second level</a:t>
             </a:r>
           </a:p>
           <a:p>
             <a:pPr lvl="2"/>
             <a:r>
-              <a:rPr lang="en-US" smtClean="0"/>
+              <a:rPr lang="en-US"/>
               <a:t>Third level</a:t>
             </a:r>
           </a:p>
           <a:p>
             <a:pPr lvl="3"/>
             <a:r>
-              <a:rPr lang="en-US" smtClean="0"/>
+              <a:rPr lang="en-US"/>
               <a:t>Fourth level</a:t>
             </a:r>
           </a:p>
           <a:p>
             <a:pPr lvl="4"/>
             <a:r>
-              <a:rPr lang="en-US" smtClean="0"/>
+              <a:rPr lang="en-US"/>
               <a:t>Fifth level</a:t>
             </a:r>
-            <a:endParaRPr lang="en-US"/>
           </a:p>
         </p:txBody>
       </p:sp>
@@ -2728,7 +2723,7 @@
           <a:p>
             <a:fld id="{5BCAD085-E8A6-8845-BD4E-CB4CCA059FC4}" type="datetimeFigureOut">
               <a:rPr lang="en-US" smtClean="0"/>
-              <a:t>1/27/13</a:t>
+              <a:t>9/6/2025</a:t>
             </a:fld>
             <a:endParaRPr lang="en-US"/>
           </a:p>
@@ -3087,7 +3082,7 @@
 </file>
 
 <file path=ppt/slides/slide1.xml><?xml version="1.0" encoding="utf-8"?>
-<p:sld xmlns:a="http://schemas.openxmlformats.org/drawingml/2006/main" xmlns:p="http://schemas.openxmlformats.org/presentationml/2006/main" xmlns:r="http://schemas.openxmlformats.org/officeDocument/2006/relationships">
+<p:sld xmlns:a="http://schemas.openxmlformats.org/drawingml/2006/main" xmlns:r="http://schemas.openxmlformats.org/officeDocument/2006/relationships" xmlns:p="http://schemas.openxmlformats.org/presentationml/2006/main">
   <p:cSld>
     <p:spTree>
       <p:nvGrpSpPr>
@@ -3095,7 +3090,14 @@
         <p:cNvGrpSpPr/>
         <p:nvPr/>
       </p:nvGrpSpPr>
-      <p:grpSpPr/>
+      <p:grpSpPr>
+        <a:xfrm>
+          <a:off x="0" y="0"/>
+          <a:ext cx="0" cy="0"/>
+          <a:chOff x="0" y="0"/>
+          <a:chExt cx="0" cy="0"/>
+        </a:xfrm>
+      </p:grpSpPr>
       <p:sp>
         <p:nvSpPr>
           <p:cNvPr id="2" name="Title 1"/>
@@ -3112,6 +3114,7 @@
           <a:lstStyle/>
           <a:p>
             <a:r>
+              <a:rPr dirty="0"/>
               <a:t>Computer Vision: Object Detection and Recognition</a:t>
             </a:r>
           </a:p>
@@ -3147,7 +3150,7 @@
 </file>
 
 <file path=ppt/slides/slide2.xml><?xml version="1.0" encoding="utf-8"?>
-<p:sld xmlns:a="http://schemas.openxmlformats.org/drawingml/2006/main" xmlns:p="http://schemas.openxmlformats.org/presentationml/2006/main" xmlns:r="http://schemas.openxmlformats.org/officeDocument/2006/relationships">
+<p:sld xmlns:a="http://schemas.openxmlformats.org/drawingml/2006/main" xmlns:r="http://schemas.openxmlformats.org/officeDocument/2006/relationships" xmlns:p="http://schemas.openxmlformats.org/presentationml/2006/main">
   <p:cSld>
     <p:spTree>
       <p:nvGrpSpPr>
@@ -3155,7 +3158,14 @@
         <p:cNvGrpSpPr/>
         <p:nvPr/>
       </p:nvGrpSpPr>
-      <p:grpSpPr/>
+      <p:grpSpPr>
+        <a:xfrm>
+          <a:off x="0" y="0"/>
+          <a:ext cx="0" cy="0"/>
+          <a:chOff x="0" y="0"/>
+          <a:chExt cx="0" cy="0"/>
+        </a:xfrm>
+      </p:grpSpPr>
       <p:sp>
         <p:nvSpPr>
           <p:cNvPr id="2" name="Title 1"/>
@@ -3172,6 +3182,7 @@
           <a:lstStyle/>
           <a:p>
             <a:r>
+              <a:rPr dirty="0"/>
               <a:t>Introduction</a:t>
             </a:r>
           </a:p>
@@ -3193,16 +3204,19 @@
           <a:lstStyle/>
           <a:p>
             <a:r>
+              <a:rPr dirty="0"/>
               <a:t>• Computer Vision enables machines to interpret and analyze visual information.</a:t>
             </a:r>
           </a:p>
           <a:p>
             <a:r>
+              <a:rPr dirty="0"/>
               <a:t>• Object Detection and Recognition are key tasks in CV.</a:t>
             </a:r>
           </a:p>
           <a:p>
             <a:r>
+              <a:rPr dirty="0"/>
               <a:t>• Widely applied in autonomous vehicles, security, healthcare, and retail.</a:t>
             </a:r>
           </a:p>
@@ -3217,7 +3231,7 @@
 </file>
 
 <file path=ppt/slides/slide3.xml><?xml version="1.0" encoding="utf-8"?>
-<p:sld xmlns:a="http://schemas.openxmlformats.org/drawingml/2006/main" xmlns:p="http://schemas.openxmlformats.org/presentationml/2006/main" xmlns:r="http://schemas.openxmlformats.org/officeDocument/2006/relationships">
+<p:sld xmlns:a="http://schemas.openxmlformats.org/drawingml/2006/main" xmlns:r="http://schemas.openxmlformats.org/officeDocument/2006/relationships" xmlns:p="http://schemas.openxmlformats.org/presentationml/2006/main">
   <p:cSld>
     <p:spTree>
       <p:nvGrpSpPr>
@@ -3225,7 +3239,14 @@
         <p:cNvGrpSpPr/>
         <p:nvPr/>
       </p:nvGrpSpPr>
-      <p:grpSpPr/>
+      <p:grpSpPr>
+        <a:xfrm>
+          <a:off x="0" y="0"/>
+          <a:ext cx="0" cy="0"/>
+          <a:chOff x="0" y="0"/>
+          <a:chExt cx="0" cy="0"/>
+        </a:xfrm>
+      </p:grpSpPr>
       <p:sp>
         <p:nvSpPr>
           <p:cNvPr id="2" name="Title 1"/>
@@ -3242,6 +3263,7 @@
           <a:lstStyle/>
           <a:p>
             <a:r>
+              <a:rPr dirty="0"/>
               <a:t>Object Detection vs Recognition</a:t>
             </a:r>
           </a:p>
@@ -3263,16 +3285,19 @@
           <a:lstStyle/>
           <a:p>
             <a:r>
+              <a:rPr dirty="0"/>
               <a:t>• Object Detection: Identifies and localizes objects within an image (bounding boxes).</a:t>
             </a:r>
           </a:p>
           <a:p>
             <a:r>
+              <a:rPr dirty="0"/>
               <a:t>• Object Recognition: Classifies detected objects into predefined categories.</a:t>
             </a:r>
           </a:p>
           <a:p>
             <a:r>
+              <a:rPr dirty="0"/>
               <a:t>• Example: Detection finds a 'person'; Recognition identifies 'Harmik'.</a:t>
             </a:r>
           </a:p>
@@ -3287,7 +3312,7 @@
 </file>
 
 <file path=ppt/slides/slide4.xml><?xml version="1.0" encoding="utf-8"?>
-<p:sld xmlns:a="http://schemas.openxmlformats.org/drawingml/2006/main" xmlns:p="http://schemas.openxmlformats.org/presentationml/2006/main" xmlns:r="http://schemas.openxmlformats.org/officeDocument/2006/relationships">
+<p:sld xmlns:a="http://schemas.openxmlformats.org/drawingml/2006/main" xmlns:r="http://schemas.openxmlformats.org/officeDocument/2006/relationships" xmlns:p="http://schemas.openxmlformats.org/presentationml/2006/main">
   <p:cSld>
     <p:spTree>
       <p:nvGrpSpPr>
@@ -3295,7 +3320,14 @@
         <p:cNvGrpSpPr/>
         <p:nvPr/>
       </p:nvGrpSpPr>
-      <p:grpSpPr/>
+      <p:grpSpPr>
+        <a:xfrm>
+          <a:off x="0" y="0"/>
+          <a:ext cx="0" cy="0"/>
+          <a:chOff x="0" y="0"/>
+          <a:chExt cx="0" cy="0"/>
+        </a:xfrm>
+      </p:grpSpPr>
       <p:sp>
         <p:nvSpPr>
           <p:cNvPr id="2" name="Title 1"/>
@@ -3312,6 +3344,7 @@
           <a:lstStyle/>
           <a:p>
             <a:r>
+              <a:rPr dirty="0"/>
               <a:t>Techniques Used</a:t>
             </a:r>
           </a:p>
@@ -3372,7 +3405,7 @@
 </file>
 
 <file path=ppt/slides/slide5.xml><?xml version="1.0" encoding="utf-8"?>
-<p:sld xmlns:a="http://schemas.openxmlformats.org/drawingml/2006/main" xmlns:p="http://schemas.openxmlformats.org/presentationml/2006/main" xmlns:r="http://schemas.openxmlformats.org/officeDocument/2006/relationships">
+<p:sld xmlns:a="http://schemas.openxmlformats.org/drawingml/2006/main" xmlns:r="http://schemas.openxmlformats.org/officeDocument/2006/relationships" xmlns:p="http://schemas.openxmlformats.org/presentationml/2006/main">
   <p:cSld>
     <p:spTree>
       <p:nvGrpSpPr>
@@ -3380,7 +3413,14 @@
         <p:cNvGrpSpPr/>
         <p:nvPr/>
       </p:nvGrpSpPr>
-      <p:grpSpPr/>
+      <p:grpSpPr>
+        <a:xfrm>
+          <a:off x="0" y="0"/>
+          <a:ext cx="0" cy="0"/>
+          <a:chOff x="0" y="0"/>
+          <a:chExt cx="0" cy="0"/>
+        </a:xfrm>
+      </p:grpSpPr>
       <p:sp>
         <p:nvSpPr>
           <p:cNvPr id="2" name="Title 1"/>
@@ -3457,7 +3497,7 @@
 </file>
 
 <file path=ppt/slides/slide6.xml><?xml version="1.0" encoding="utf-8"?>
-<p:sld xmlns:a="http://schemas.openxmlformats.org/drawingml/2006/main" xmlns:p="http://schemas.openxmlformats.org/presentationml/2006/main" xmlns:r="http://schemas.openxmlformats.org/officeDocument/2006/relationships">
+<p:sld xmlns:a="http://schemas.openxmlformats.org/drawingml/2006/main" xmlns:r="http://schemas.openxmlformats.org/officeDocument/2006/relationships" xmlns:p="http://schemas.openxmlformats.org/presentationml/2006/main">
   <p:cSld>
     <p:spTree>
       <p:nvGrpSpPr>
@@ -3465,7 +3505,14 @@
         <p:cNvGrpSpPr/>
         <p:nvPr/>
       </p:nvGrpSpPr>
-      <p:grpSpPr/>
+      <p:grpSpPr>
+        <a:xfrm>
+          <a:off x="0" y="0"/>
+          <a:ext cx="0" cy="0"/>
+          <a:chOff x="0" y="0"/>
+          <a:chExt cx="0" cy="0"/>
+        </a:xfrm>
+      </p:grpSpPr>
       <p:sp>
         <p:nvSpPr>
           <p:cNvPr id="2" name="Title 1"/>
@@ -3532,7 +3579,7 @@
 </file>
 
 <file path=ppt/slides/slide7.xml><?xml version="1.0" encoding="utf-8"?>
-<p:sld xmlns:a="http://schemas.openxmlformats.org/drawingml/2006/main" xmlns:p="http://schemas.openxmlformats.org/presentationml/2006/main" xmlns:r="http://schemas.openxmlformats.org/officeDocument/2006/relationships">
+<p:sld xmlns:a="http://schemas.openxmlformats.org/drawingml/2006/main" xmlns:r="http://schemas.openxmlformats.org/officeDocument/2006/relationships" xmlns:p="http://schemas.openxmlformats.org/presentationml/2006/main">
   <p:cSld>
     <p:spTree>
       <p:nvGrpSpPr>
@@ -3540,7 +3587,14 @@
         <p:cNvGrpSpPr/>
         <p:nvPr/>
       </p:nvGrpSpPr>
-      <p:grpSpPr/>
+      <p:grpSpPr>
+        <a:xfrm>
+          <a:off x="0" y="0"/>
+          <a:ext cx="0" cy="0"/>
+          <a:chOff x="0" y="0"/>
+          <a:chExt cx="0" cy="0"/>
+        </a:xfrm>
+      </p:grpSpPr>
       <p:sp>
         <p:nvSpPr>
           <p:cNvPr id="2" name="Title 1"/>
@@ -3607,7 +3661,7 @@
 </file>
 
 <file path=ppt/slides/slide8.xml><?xml version="1.0" encoding="utf-8"?>
-<p:sld xmlns:a="http://schemas.openxmlformats.org/drawingml/2006/main" xmlns:p="http://schemas.openxmlformats.org/presentationml/2006/main" xmlns:r="http://schemas.openxmlformats.org/officeDocument/2006/relationships">
+<p:sld xmlns:a="http://schemas.openxmlformats.org/drawingml/2006/main" xmlns:r="http://schemas.openxmlformats.org/officeDocument/2006/relationships" xmlns:p="http://schemas.openxmlformats.org/presentationml/2006/main">
   <p:cSld>
     <p:spTree>
       <p:nvGrpSpPr>
@@ -3615,7 +3669,14 @@
         <p:cNvGrpSpPr/>
         <p:nvPr/>
       </p:nvGrpSpPr>
-      <p:grpSpPr/>
+      <p:grpSpPr>
+        <a:xfrm>
+          <a:off x="0" y="0"/>
+          <a:ext cx="0" cy="0"/>
+          <a:chOff x="0" y="0"/>
+          <a:chExt cx="0" cy="0"/>
+        </a:xfrm>
+      </p:grpSpPr>
       <p:sp>
         <p:nvSpPr>
           <p:cNvPr id="2" name="Title 1"/>
@@ -3682,7 +3743,7 @@
 </file>
 
 <file path=ppt/slides/slide9.xml><?xml version="1.0" encoding="utf-8"?>
-<p:sld xmlns:a="http://schemas.openxmlformats.org/drawingml/2006/main" xmlns:p="http://schemas.openxmlformats.org/presentationml/2006/main" xmlns:r="http://schemas.openxmlformats.org/officeDocument/2006/relationships">
+<p:sld xmlns:a="http://schemas.openxmlformats.org/drawingml/2006/main" xmlns:r="http://schemas.openxmlformats.org/officeDocument/2006/relationships" xmlns:p="http://schemas.openxmlformats.org/presentationml/2006/main">
   <p:cSld>
     <p:spTree>
       <p:nvGrpSpPr>
@@ -3690,7 +3751,14 @@
         <p:cNvGrpSpPr/>
         <p:nvPr/>
       </p:nvGrpSpPr>
-      <p:grpSpPr/>
+      <p:grpSpPr>
+        <a:xfrm>
+          <a:off x="0" y="0"/>
+          <a:ext cx="0" cy="0"/>
+          <a:chOff x="0" y="0"/>
+          <a:chExt cx="0" cy="0"/>
+        </a:xfrm>
+      </p:grpSpPr>
       <p:sp>
         <p:nvSpPr>
           <p:cNvPr id="2" name="Title 1"/>
